--- a/Corte del proyecto final Raidel_Yohan.pptx
+++ b/Corte del proyecto final Raidel_Yohan.pptx
@@ -926,7 +926,7 @@
         <a:p>
           <a:r>
             <a:rPr lang="en-US" sz="2400" b="1" dirty="0"/>
-            <a:t>DVC</a:t>
+            <a:t>GIT</a:t>
           </a:r>
         </a:p>
       </dgm:t>
@@ -1385,7 +1385,7 @@
           </a:pPr>
           <a:r>
             <a:rPr lang="en-US" sz="2400" b="1" kern="1200" dirty="0"/>
-            <a:t>DVC</a:t>
+            <a:t>GIT</a:t>
           </a:r>
         </a:p>
       </dsp:txBody>
@@ -3757,7 +3757,7 @@
           <a:p>
             <a:fld id="{4AAD347D-5ACD-4C99-B74B-A9C85AD731AF}" type="datetimeFigureOut">
               <a:rPr lang="en-US" smtClean="0"/>
-              <a:t>12/6/2022</a:t>
+              <a:t>12/14/2022</a:t>
             </a:fld>
             <a:endParaRPr lang="en-US" dirty="0"/>
           </a:p>
@@ -3965,7 +3965,7 @@
           <a:p>
             <a:fld id="{4509A250-FF31-4206-8172-F9D3106AACB1}" type="datetimeFigureOut">
               <a:rPr lang="en-US" smtClean="0"/>
-              <a:t>12/6/2022</a:t>
+              <a:t>12/14/2022</a:t>
             </a:fld>
             <a:endParaRPr lang="en-US" dirty="0"/>
           </a:p>
@@ -4221,7 +4221,7 @@
           <a:p>
             <a:fld id="{4509A250-FF31-4206-8172-F9D3106AACB1}" type="datetimeFigureOut">
               <a:rPr lang="en-US" smtClean="0"/>
-              <a:t>12/6/2022</a:t>
+              <a:t>12/14/2022</a:t>
             </a:fld>
             <a:endParaRPr lang="en-US" dirty="0"/>
           </a:p>
@@ -4391,7 +4391,7 @@
           <a:p>
             <a:fld id="{4509A250-FF31-4206-8172-F9D3106AACB1}" type="datetimeFigureOut">
               <a:rPr lang="en-US" smtClean="0"/>
-              <a:t>12/6/2022</a:t>
+              <a:t>12/14/2022</a:t>
             </a:fld>
             <a:endParaRPr lang="en-US" dirty="0"/>
           </a:p>
@@ -4734,7 +4734,7 @@
           <a:p>
             <a:fld id="{9796027F-7875-4030-9381-8BD8C4F21935}" type="datetimeFigureOut">
               <a:rPr lang="en-US" smtClean="0"/>
-              <a:t>12/6/2022</a:t>
+              <a:t>12/14/2022</a:t>
             </a:fld>
             <a:endParaRPr lang="en-US" dirty="0"/>
           </a:p>
@@ -5009,7 +5009,7 @@
           <a:p>
             <a:fld id="{9796027F-7875-4030-9381-8BD8C4F21935}" type="datetimeFigureOut">
               <a:rPr lang="en-US" smtClean="0"/>
-              <a:t>12/6/2022</a:t>
+              <a:t>12/14/2022</a:t>
             </a:fld>
             <a:endParaRPr lang="en-US" dirty="0"/>
           </a:p>
@@ -5388,7 +5388,7 @@
           <a:p>
             <a:fld id="{9796027F-7875-4030-9381-8BD8C4F21935}" type="datetimeFigureOut">
               <a:rPr lang="en-US" smtClean="0"/>
-              <a:t>12/6/2022</a:t>
+              <a:t>12/14/2022</a:t>
             </a:fld>
             <a:endParaRPr lang="en-US" dirty="0"/>
           </a:p>
@@ -5506,7 +5506,7 @@
           <a:p>
             <a:fld id="{4509A250-FF31-4206-8172-F9D3106AACB1}" type="datetimeFigureOut">
               <a:rPr lang="en-US" smtClean="0"/>
-              <a:t>12/6/2022</a:t>
+              <a:t>12/14/2022</a:t>
             </a:fld>
             <a:endParaRPr lang="en-US" dirty="0"/>
           </a:p>
@@ -5677,7 +5677,7 @@
           <a:p>
             <a:fld id="{4509A250-FF31-4206-8172-F9D3106AACB1}" type="datetimeFigureOut">
               <a:rPr lang="en-US" smtClean="0"/>
-              <a:t>12/6/2022</a:t>
+              <a:t>12/14/2022</a:t>
             </a:fld>
             <a:endParaRPr lang="en-US" dirty="0"/>
           </a:p>
@@ -6031,7 +6031,7 @@
           <a:p>
             <a:fld id="{4509A250-FF31-4206-8172-F9D3106AACB1}" type="datetimeFigureOut">
               <a:rPr lang="en-US" smtClean="0"/>
-              <a:t>12/6/2022</a:t>
+              <a:t>12/14/2022</a:t>
             </a:fld>
             <a:endParaRPr lang="en-US" dirty="0"/>
           </a:p>
@@ -6408,7 +6408,7 @@
           <a:p>
             <a:fld id="{4509A250-FF31-4206-8172-F9D3106AACB1}" type="datetimeFigureOut">
               <a:rPr lang="en-US" smtClean="0"/>
-              <a:t>12/6/2022</a:t>
+              <a:t>12/14/2022</a:t>
             </a:fld>
             <a:endParaRPr lang="en-US" dirty="0"/>
           </a:p>
@@ -6695,7 +6695,7 @@
           <a:p>
             <a:fld id="{4AAD347D-5ACD-4C99-B74B-A9C85AD731AF}" type="datetimeFigureOut">
               <a:rPr lang="en-US" smtClean="0"/>
-              <a:t>12/6/2022</a:t>
+              <a:t>12/14/2022</a:t>
             </a:fld>
             <a:endParaRPr lang="en-US" dirty="0"/>
           </a:p>
@@ -8368,7 +8368,7 @@
                   </a:prstClr>
                 </a:solidFill>
               </a:rPr>
-              <a:t> DVC</a:t>
+              <a:t> GIT</a:t>
             </a:r>
             <a:endParaRPr lang="es-CU" sz="2400" dirty="0">
               <a:solidFill>
@@ -8511,7 +8511,7 @@
             </a:pPr>
             <a:r>
               <a:rPr lang="es-ES" sz="2800" dirty="0"/>
-              <a:t>Lograr que el modelo genere nuevas versiones del conjunto de datos de entrenamiento inicial, utilizando la herramienta DVC a partir de un conjunto de datos y los nuevos datos que ingresen se ya no pertenezcan a este, y así realizar una predicción más precisa con la creación de nuevos clústeres.</a:t>
+              <a:t>Lograr que el modelo genere nuevas versiones del conjunto de datos de entrenamiento inicial, utilizando la herramienta GIT a partir de un conjunto de datos y los nuevos datos que ingresen se ya no pertenezcan a este, y así realizar una predicción más precisa con la creación de nuevos clústeres.</a:t>
             </a:r>
           </a:p>
           <a:p>
@@ -11858,7 +11858,7 @@
             <p:ph idx="1"/>
             <p:extLst>
               <p:ext uri="{D42A27DB-BD31-4B8C-83A1-F6EECF244321}">
-                <p14:modId xmlns:p14="http://schemas.microsoft.com/office/powerpoint/2010/main" val="590572977"/>
+                <p14:modId xmlns:p14="http://schemas.microsoft.com/office/powerpoint/2010/main" val="1206906011"/>
               </p:ext>
             </p:extLst>
           </p:nvPr>
